--- a/Deposit Acceptance Analysis.pptx
+++ b/Deposit Acceptance Analysis.pptx
@@ -118,6 +118,11 @@
       </a:defRPr>
     </a:lvl9pPr>
   </p:defaultTextStyle>
+  <p:extLst>
+    <p:ext uri="{EFAFB233-063F-42B5-8137-9DF3F51BA10A}">
+      <p15:sldGuideLst xmlns:p15="http://schemas.microsoft.com/office/powerpoint/2012/main"/>
+    </p:ext>
+  </p:extLst>
 </p:presentation>
 </file>
 
@@ -3363,7 +3368,7 @@
         </p:blipFill>
         <p:spPr>
           <a:xfrm>
-            <a:off x="0" y="0"/>
+            <a:off x="0" y="19456"/>
             <a:ext cx="12192000" cy="6858000"/>
           </a:xfrm>
           <a:prstGeom prst="rect">
@@ -3420,7 +3425,7 @@
         <p:spPr>
           <a:xfrm>
             <a:off x="0" y="2546724"/>
-            <a:ext cx="12192000" cy="1200329"/>
+            <a:ext cx="12192000" cy="1569660"/>
           </a:xfrm>
           <a:prstGeom prst="rect">
             <a:avLst/>
@@ -3448,7 +3453,34 @@
               </a:rPr>
               <a:t>Unlocking Deposit Acceptance: Exploring Key Factors and Recommendations</a:t>
             </a:r>
-            <a:endParaRPr lang="en-US" sz="3600" b="1" dirty="0">
+            <a:endParaRPr lang="en-US" sz="3200" b="1" i="0" dirty="0">
+              <a:solidFill>
+                <a:srgbClr val="FFFFFF"/>
+              </a:solidFill>
+              <a:effectLst/>
+              <a:latin typeface="-apple-system"/>
+            </a:endParaRPr>
+          </a:p>
+          <a:p>
+            <a:pPr algn="ctr"/>
+            <a:r>
+              <a:rPr lang="en-US" sz="1200" b="1" dirty="0">
+                <a:solidFill>
+                  <a:schemeClr val="bg1"/>
+                </a:solidFill>
+                <a:hlinkClick r:id="rId3"/>
+              </a:rPr>
+              <a:t>https://github.com/MuhammedRagabb/Deposit-acceptance-analysis.git</a:t>
+            </a:r>
+            <a:endParaRPr lang="en-US" sz="1200" b="1" dirty="0">
+              <a:solidFill>
+                <a:schemeClr val="bg1"/>
+              </a:solidFill>
+            </a:endParaRPr>
+          </a:p>
+          <a:p>
+            <a:pPr algn="ctr"/>
+            <a:endParaRPr lang="en-US" sz="1200" b="1" dirty="0">
               <a:solidFill>
                 <a:schemeClr val="bg1"/>
               </a:solidFill>
@@ -6694,7 +6726,7 @@
             <a:r>
               <a:rPr lang="en-US" sz="2000" b="0" i="0" dirty="0">
                 <a:solidFill>
-                  <a:srgbClr val="FFFFFF"/>
+                  <a:srgbClr val="FFFF00"/>
                 </a:solidFill>
                 <a:effectLst/>
                 <a:latin typeface="-apple-system"/>
@@ -6707,7 +6739,7 @@
             <a:r>
               <a:rPr lang="en-US" sz="2000" b="0" i="0" dirty="0">
                 <a:solidFill>
-                  <a:srgbClr val="FFFFFF"/>
+                  <a:srgbClr val="FFFF00"/>
                 </a:solidFill>
                 <a:effectLst/>
                 <a:latin typeface="-apple-system"/>
@@ -6720,7 +6752,7 @@
             <a:r>
               <a:rPr lang="en-US" sz="2000" b="0" i="0" dirty="0">
                 <a:solidFill>
-                  <a:srgbClr val="FFFFFF"/>
+                  <a:srgbClr val="FFFF00"/>
                 </a:solidFill>
                 <a:effectLst/>
                 <a:latin typeface="-apple-system"/>
@@ -6729,7 +6761,7 @@
             </a:r>
             <a:endParaRPr lang="en-US" sz="2000" b="1" i="0" dirty="0">
               <a:solidFill>
-                <a:schemeClr val="bg1"/>
+                <a:srgbClr val="FFFF00"/>
               </a:solidFill>
               <a:effectLst/>
               <a:latin typeface="Helvetica Neue"/>
